--- a/Presentation.pptx
+++ b/Presentation.pptx
@@ -114,6 +114,11 @@
       </a:defRPr>
     </a:lvl9pPr>
   </p:defaultTextStyle>
+  <p:extLst>
+    <p:ext uri="{EFAFB233-063F-42B5-8137-9DF3F51BA10A}">
+      <p15:sldGuideLst xmlns:p15="http://schemas.microsoft.com/office/powerpoint/2012/main"/>
+    </p:ext>
+  </p:extLst>
 </p:presentation>
 </file>
 
@@ -1627,7 +1632,7 @@
           <a:p>
             <a:fld id="{40DC9BC4-A4A3-4C9F-A8A5-52B83B2828AB}" type="datetimeFigureOut">
               <a:rPr lang="en-US" smtClean="0"/>
-              <a:t>4/7/2022</a:t>
+              <a:t>4/8/2022</a:t>
             </a:fld>
             <a:endParaRPr lang="en-US"/>
           </a:p>
@@ -1825,7 +1830,7 @@
           <a:p>
             <a:fld id="{40DC9BC4-A4A3-4C9F-A8A5-52B83B2828AB}" type="datetimeFigureOut">
               <a:rPr lang="en-US" smtClean="0"/>
-              <a:t>4/7/2022</a:t>
+              <a:t>4/8/2022</a:t>
             </a:fld>
             <a:endParaRPr lang="en-US"/>
           </a:p>
@@ -2033,7 +2038,7 @@
           <a:p>
             <a:fld id="{40DC9BC4-A4A3-4C9F-A8A5-52B83B2828AB}" type="datetimeFigureOut">
               <a:rPr lang="en-US" smtClean="0"/>
-              <a:t>4/7/2022</a:t>
+              <a:t>4/8/2022</a:t>
             </a:fld>
             <a:endParaRPr lang="en-US"/>
           </a:p>
@@ -2231,7 +2236,7 @@
           <a:p>
             <a:fld id="{40DC9BC4-A4A3-4C9F-A8A5-52B83B2828AB}" type="datetimeFigureOut">
               <a:rPr lang="en-US" smtClean="0"/>
-              <a:t>4/7/2022</a:t>
+              <a:t>4/8/2022</a:t>
             </a:fld>
             <a:endParaRPr lang="en-US"/>
           </a:p>
@@ -2506,7 +2511,7 @@
           <a:p>
             <a:fld id="{40DC9BC4-A4A3-4C9F-A8A5-52B83B2828AB}" type="datetimeFigureOut">
               <a:rPr lang="en-US" smtClean="0"/>
-              <a:t>4/7/2022</a:t>
+              <a:t>4/8/2022</a:t>
             </a:fld>
             <a:endParaRPr lang="en-US"/>
           </a:p>
@@ -2771,7 +2776,7 @@
           <a:p>
             <a:fld id="{40DC9BC4-A4A3-4C9F-A8A5-52B83B2828AB}" type="datetimeFigureOut">
               <a:rPr lang="en-US" smtClean="0"/>
-              <a:t>4/7/2022</a:t>
+              <a:t>4/8/2022</a:t>
             </a:fld>
             <a:endParaRPr lang="en-US"/>
           </a:p>
@@ -3183,7 +3188,7 @@
           <a:p>
             <a:fld id="{40DC9BC4-A4A3-4C9F-A8A5-52B83B2828AB}" type="datetimeFigureOut">
               <a:rPr lang="en-US" smtClean="0"/>
-              <a:t>4/7/2022</a:t>
+              <a:t>4/8/2022</a:t>
             </a:fld>
             <a:endParaRPr lang="en-US"/>
           </a:p>
@@ -3324,7 +3329,7 @@
           <a:p>
             <a:fld id="{40DC9BC4-A4A3-4C9F-A8A5-52B83B2828AB}" type="datetimeFigureOut">
               <a:rPr lang="en-US" smtClean="0"/>
-              <a:t>4/7/2022</a:t>
+              <a:t>4/8/2022</a:t>
             </a:fld>
             <a:endParaRPr lang="en-US"/>
           </a:p>
@@ -3437,7 +3442,7 @@
           <a:p>
             <a:fld id="{40DC9BC4-A4A3-4C9F-A8A5-52B83B2828AB}" type="datetimeFigureOut">
               <a:rPr lang="en-US" smtClean="0"/>
-              <a:t>4/7/2022</a:t>
+              <a:t>4/8/2022</a:t>
             </a:fld>
             <a:endParaRPr lang="en-US"/>
           </a:p>
@@ -3748,7 +3753,7 @@
           <a:p>
             <a:fld id="{40DC9BC4-A4A3-4C9F-A8A5-52B83B2828AB}" type="datetimeFigureOut">
               <a:rPr lang="en-US" smtClean="0"/>
-              <a:t>4/7/2022</a:t>
+              <a:t>4/8/2022</a:t>
             </a:fld>
             <a:endParaRPr lang="en-US"/>
           </a:p>
@@ -4036,7 +4041,7 @@
           <a:p>
             <a:fld id="{40DC9BC4-A4A3-4C9F-A8A5-52B83B2828AB}" type="datetimeFigureOut">
               <a:rPr lang="en-US" smtClean="0"/>
-              <a:t>4/7/2022</a:t>
+              <a:t>4/8/2022</a:t>
             </a:fld>
             <a:endParaRPr lang="en-US"/>
           </a:p>
@@ -4277,7 +4282,7 @@
           <a:p>
             <a:fld id="{40DC9BC4-A4A3-4C9F-A8A5-52B83B2828AB}" type="datetimeFigureOut">
               <a:rPr lang="en-US" smtClean="0"/>
-              <a:t>4/7/2022</a:t>
+              <a:t>4/8/2022</a:t>
             </a:fld>
             <a:endParaRPr lang="en-US"/>
           </a:p>
@@ -9637,7 +9642,7 @@
           <a:p>
             <a:r>
               <a:rPr lang="en-US" dirty="0"/>
-              <a:t>Production of Main Crops</a:t>
+              <a:t>Price Adjustment, Production of Main Crops</a:t>
             </a:r>
           </a:p>
           <a:p>
@@ -9647,13 +9652,51 @@
             </a:r>
           </a:p>
           <a:p>
+            <a:pPr lvl="1"/>
             <a:r>
               <a:rPr lang="en-US" dirty="0"/>
-              <a:t>Theory Background to Explain Heterogeneity</a:t>
+              <a:t>Only 70% of tenant area were reported</a:t>
             </a:r>
           </a:p>
           <a:p>
-            <a:endParaRPr lang="en-US" dirty="0"/>
+            <a:pPr lvl="1"/>
+            <a:r>
+              <a:rPr lang="en-US" dirty="0"/>
+              <a:t>Omitting variable (irrigation…)</a:t>
+            </a:r>
+          </a:p>
+          <a:p>
+            <a:r>
+              <a:rPr lang="en-US" dirty="0"/>
+              <a:t>Explain Heterogeneity</a:t>
+            </a:r>
+          </a:p>
+          <a:p>
+            <a:pPr lvl="1"/>
+            <a:r>
+              <a:rPr lang="en-US" dirty="0"/>
+              <a:t>Policy had different effect on the amount of area being transferred to tenants between different types of land (paddy field, dry land)</a:t>
+            </a:r>
+          </a:p>
+          <a:p>
+            <a:pPr lvl="1"/>
+            <a:r>
+              <a:rPr lang="en-US" dirty="0"/>
+              <a:t>Policy had different effect between tenants cultivated different types of crops</a:t>
+            </a:r>
+          </a:p>
+          <a:p>
+            <a:pPr lvl="1"/>
+            <a:r>
+              <a:rPr lang="en-US" dirty="0"/>
+              <a:t>Certain omitted factors only affect certain types of crops</a:t>
+            </a:r>
+          </a:p>
+          <a:p>
+            <a:r>
+              <a:rPr lang="en-US" dirty="0"/>
+              <a:t>Background, context, theory</a:t>
+            </a:r>
           </a:p>
         </p:txBody>
       </p:sp>
@@ -10027,14 +10070,19 @@
             <p:ph idx="1"/>
           </p:nvPr>
         </p:nvSpPr>
-        <p:spPr/>
+        <p:spPr>
+          <a:xfrm>
+            <a:off x="838200" y="1825625"/>
+            <a:ext cx="10703560" cy="4351338"/>
+          </a:xfrm>
+        </p:spPr>
         <p:txBody>
           <a:bodyPr/>
           <a:lstStyle/>
           <a:p>
             <a:r>
               <a:rPr lang="en-US" dirty="0" err="1"/>
-              <a:t>AgrOp</a:t>
+              <a:t>Agricultural_Output</a:t>
             </a:r>
             <a:r>
               <a:rPr lang="en-US" dirty="0"/>
@@ -10085,6 +10133,12 @@
               <a:t>Change_of_Tenant_Area</a:t>
             </a:r>
             <a:endParaRPr lang="en-US" altLang="zh-TW" dirty="0"/>
+          </a:p>
+          <a:p>
+            <a:r>
+              <a:rPr lang="en-US" altLang="zh-TW" dirty="0"/>
+              <a:t>Year = 1952, 1953, 1956</a:t>
+            </a:r>
           </a:p>
           <a:p>
             <a:pPr marL="0" indent="0">
